--- a/Dokumentation/Informatik_präsi_tristan.pptx
+++ b/Dokumentation/Informatik_präsi_tristan.pptx
@@ -127,8 +127,61 @@
 <p1510:revInfo xmlns:a="http://schemas.openxmlformats.org/drawingml/2006/main" xmlns:r="http://schemas.openxmlformats.org/officeDocument/2006/relationships" xmlns:p1510="http://schemas.microsoft.com/office/powerpoint/2015/10/main">
   <p1510:revLst>
     <p1510:client id="{DBB6F687-228F-4B40-848E-3B67DCB59A3B}" v="54" dt="2025-06-15T12:51:08.739"/>
+    <p1510:client id="{F73AAE8C-F2B1-4607-A9FB-459E92C800DC}" v="2" dt="2025-06-15T17:45:44.569"/>
   </p1510:revLst>
 </p1510:revInfo>
+</file>
+
+<file path=ppt/changesInfos/changesInfo1.xml><?xml version="1.0" encoding="utf-8"?>
+<pc:chgInfo xmlns:a="http://schemas.openxmlformats.org/drawingml/2006/main" xmlns:r="http://schemas.openxmlformats.org/officeDocument/2006/relationships" xmlns:ac="http://schemas.microsoft.com/office/drawing/2013/main/command" xmlns:pc="http://schemas.microsoft.com/office/powerpoint/2013/main/command">
+  <pc:docChgLst>
+    <pc:chgData name="Tristan Bihler" userId="1c18a77c3a83b4ea" providerId="LiveId" clId="{F73AAE8C-F2B1-4607-A9FB-459E92C800DC}"/>
+    <pc:docChg chg="modSld">
+      <pc:chgData name="Tristan Bihler" userId="1c18a77c3a83b4ea" providerId="LiveId" clId="{F73AAE8C-F2B1-4607-A9FB-459E92C800DC}" dt="2025-06-15T17:54:04.783" v="31" actId="1076"/>
+      <pc:docMkLst>
+        <pc:docMk/>
+      </pc:docMkLst>
+      <pc:sldChg chg="modSp mod">
+        <pc:chgData name="Tristan Bihler" userId="1c18a77c3a83b4ea" providerId="LiveId" clId="{F73AAE8C-F2B1-4607-A9FB-459E92C800DC}" dt="2025-06-15T17:54:04.783" v="31" actId="1076"/>
+        <pc:sldMkLst>
+          <pc:docMk/>
+          <pc:sldMk cId="3873202519" sldId="261"/>
+        </pc:sldMkLst>
+        <pc:picChg chg="mod">
+          <ac:chgData name="Tristan Bihler" userId="1c18a77c3a83b4ea" providerId="LiveId" clId="{F73AAE8C-F2B1-4607-A9FB-459E92C800DC}" dt="2025-06-15T17:54:04.783" v="31" actId="1076"/>
+          <ac:picMkLst>
+            <pc:docMk/>
+            <pc:sldMk cId="3873202519" sldId="261"/>
+            <ac:picMk id="4" creationId="{0FCDE520-8950-348F-03B7-93987EE2EFC5}"/>
+          </ac:picMkLst>
+        </pc:picChg>
+      </pc:sldChg>
+      <pc:sldChg chg="addSp modSp mod">
+        <pc:chgData name="Tristan Bihler" userId="1c18a77c3a83b4ea" providerId="LiveId" clId="{F73AAE8C-F2B1-4607-A9FB-459E92C800DC}" dt="2025-06-15T17:47:26.734" v="28" actId="1076"/>
+        <pc:sldMkLst>
+          <pc:docMk/>
+          <pc:sldMk cId="1480108195" sldId="262"/>
+        </pc:sldMkLst>
+        <pc:picChg chg="add mod modCrop">
+          <ac:chgData name="Tristan Bihler" userId="1c18a77c3a83b4ea" providerId="LiveId" clId="{F73AAE8C-F2B1-4607-A9FB-459E92C800DC}" dt="2025-06-15T17:47:12.157" v="26" actId="1076"/>
+          <ac:picMkLst>
+            <pc:docMk/>
+            <pc:sldMk cId="1480108195" sldId="262"/>
+            <ac:picMk id="4" creationId="{93E36E14-E75B-E4D9-3462-6B2331659CF5}"/>
+          </ac:picMkLst>
+        </pc:picChg>
+        <pc:picChg chg="add mod modCrop">
+          <ac:chgData name="Tristan Bihler" userId="1c18a77c3a83b4ea" providerId="LiveId" clId="{F73AAE8C-F2B1-4607-A9FB-459E92C800DC}" dt="2025-06-15T17:47:26.734" v="28" actId="1076"/>
+          <ac:picMkLst>
+            <pc:docMk/>
+            <pc:sldMk cId="1480108195" sldId="262"/>
+            <ac:picMk id="5" creationId="{E84AA735-C2E8-EE43-671F-DC1CC50979CF}"/>
+          </ac:picMkLst>
+        </pc:picChg>
+      </pc:sldChg>
+    </pc:docChg>
+  </pc:docChgLst>
+</pc:chgInfo>
 </file>
 
 <file path=ppt/notesMasters/notesMaster1.xml><?xml version="1.0" encoding="utf-8"?>
@@ -8039,6 +8092,80 @@
           </a:p>
         </p:txBody>
       </p:sp>
+      <p:pic>
+        <p:nvPicPr>
+          <p:cNvPr id="4" name="Grafik 3" descr="Ein Bild, das Text, Diagramm, parallel, Plan enthält.&#10;&#10;KI-generierte Inhalte können fehlerhaft sein.">
+            <a:extLst>
+              <a:ext uri="{FF2B5EF4-FFF2-40B4-BE49-F238E27FC236}">
+                <a16:creationId xmlns:a16="http://schemas.microsoft.com/office/drawing/2014/main" id="{93E36E14-E75B-E4D9-3462-6B2331659CF5}"/>
+              </a:ext>
+            </a:extLst>
+          </p:cNvPr>
+          <p:cNvPicPr>
+            <a:picLocks noChangeAspect="1"/>
+          </p:cNvPicPr>
+          <p:nvPr/>
+        </p:nvPicPr>
+        <p:blipFill>
+          <a:blip r:embed="rId2">
+            <a:extLst>
+              <a:ext uri="{28A0092B-C50C-407E-A947-70E740481C1C}">
+                <a14:useLocalDpi xmlns:a14="http://schemas.microsoft.com/office/drawing/2010/main" val="0"/>
+              </a:ext>
+            </a:extLst>
+          </a:blip>
+          <a:srcRect b="62986"/>
+          <a:stretch>
+            <a:fillRect/>
+          </a:stretch>
+        </p:blipFill>
+        <p:spPr>
+          <a:xfrm>
+            <a:off x="951459" y="1679920"/>
+            <a:ext cx="5144541" cy="2430189"/>
+          </a:xfrm>
+          <a:prstGeom prst="rect">
+            <a:avLst/>
+          </a:prstGeom>
+        </p:spPr>
+      </p:pic>
+      <p:pic>
+        <p:nvPicPr>
+          <p:cNvPr id="5" name="Grafik 4" descr="Ein Bild, das Text, Diagramm, parallel, Plan enthält.&#10;&#10;KI-generierte Inhalte können fehlerhaft sein.">
+            <a:extLst>
+              <a:ext uri="{FF2B5EF4-FFF2-40B4-BE49-F238E27FC236}">
+                <a16:creationId xmlns:a16="http://schemas.microsoft.com/office/drawing/2014/main" id="{E84AA735-C2E8-EE43-671F-DC1CC50979CF}"/>
+              </a:ext>
+            </a:extLst>
+          </p:cNvPr>
+          <p:cNvPicPr>
+            <a:picLocks noChangeAspect="1"/>
+          </p:cNvPicPr>
+          <p:nvPr/>
+        </p:nvPicPr>
+        <p:blipFill>
+          <a:blip r:embed="rId2">
+            <a:extLst>
+              <a:ext uri="{28A0092B-C50C-407E-A947-70E740481C1C}">
+                <a14:useLocalDpi xmlns:a14="http://schemas.microsoft.com/office/drawing/2010/main" val="0"/>
+              </a:ext>
+            </a:extLst>
+          </a:blip>
+          <a:srcRect t="38886"/>
+          <a:stretch>
+            <a:fillRect/>
+          </a:stretch>
+        </p:blipFill>
+        <p:spPr>
+          <a:xfrm>
+            <a:off x="5802989" y="1679920"/>
+            <a:ext cx="5453141" cy="4253163"/>
+          </a:xfrm>
+          <a:prstGeom prst="rect">
+            <a:avLst/>
+          </a:prstGeom>
+        </p:spPr>
+      </p:pic>
     </p:spTree>
     <p:extLst>
       <p:ext uri="{BB962C8B-B14F-4D97-AF65-F5344CB8AC3E}">
@@ -8198,7 +8325,7 @@
         <p:spPr>
           <a:xfrm>
             <a:off x="838200" y="1690688"/>
-            <a:ext cx="5495980" cy="1738312"/>
+            <a:ext cx="8534401" cy="2699328"/>
           </a:xfrm>
           <a:prstGeom prst="rect">
             <a:avLst/>
